--- a/pres/11-Macros.pptx
+++ b/pres/11-Macros.pptx
@@ -312,7 +312,7 @@
           <a:p>
             <a:fld id="{EFAAC8F1-21AA-47EF-82D9-7929EA07D29D}" type="datetimeFigureOut">
               <a:rPr lang="ru-RU" smtClean="0"/>
-              <a:t>28.09.2023</a:t>
+              <a:t>14.12.2023</a:t>
             </a:fld>
             <a:endParaRPr lang="ru-RU"/>
           </a:p>
@@ -512,7 +512,7 @@
           <a:p>
             <a:fld id="{EFAAC8F1-21AA-47EF-82D9-7929EA07D29D}" type="datetimeFigureOut">
               <a:rPr lang="ru-RU" smtClean="0"/>
-              <a:t>28.09.2023</a:t>
+              <a:t>14.12.2023</a:t>
             </a:fld>
             <a:endParaRPr lang="ru-RU"/>
           </a:p>
@@ -722,7 +722,7 @@
           <a:p>
             <a:fld id="{EFAAC8F1-21AA-47EF-82D9-7929EA07D29D}" type="datetimeFigureOut">
               <a:rPr lang="ru-RU" smtClean="0"/>
-              <a:t>28.09.2023</a:t>
+              <a:t>14.12.2023</a:t>
             </a:fld>
             <a:endParaRPr lang="ru-RU"/>
           </a:p>
@@ -922,7 +922,7 @@
           <a:p>
             <a:fld id="{EFAAC8F1-21AA-47EF-82D9-7929EA07D29D}" type="datetimeFigureOut">
               <a:rPr lang="ru-RU" smtClean="0"/>
-              <a:t>28.09.2023</a:t>
+              <a:t>14.12.2023</a:t>
             </a:fld>
             <a:endParaRPr lang="ru-RU"/>
           </a:p>
@@ -1198,7 +1198,7 @@
           <a:p>
             <a:fld id="{EFAAC8F1-21AA-47EF-82D9-7929EA07D29D}" type="datetimeFigureOut">
               <a:rPr lang="ru-RU" smtClean="0"/>
-              <a:t>28.09.2023</a:t>
+              <a:t>14.12.2023</a:t>
             </a:fld>
             <a:endParaRPr lang="ru-RU"/>
           </a:p>
@@ -1466,7 +1466,7 @@
           <a:p>
             <a:fld id="{EFAAC8F1-21AA-47EF-82D9-7929EA07D29D}" type="datetimeFigureOut">
               <a:rPr lang="ru-RU" smtClean="0"/>
-              <a:t>28.09.2023</a:t>
+              <a:t>14.12.2023</a:t>
             </a:fld>
             <a:endParaRPr lang="ru-RU"/>
           </a:p>
@@ -1881,7 +1881,7 @@
           <a:p>
             <a:fld id="{EFAAC8F1-21AA-47EF-82D9-7929EA07D29D}" type="datetimeFigureOut">
               <a:rPr lang="ru-RU" smtClean="0"/>
-              <a:t>28.09.2023</a:t>
+              <a:t>14.12.2023</a:t>
             </a:fld>
             <a:endParaRPr lang="ru-RU"/>
           </a:p>
@@ -2023,7 +2023,7 @@
           <a:p>
             <a:fld id="{EFAAC8F1-21AA-47EF-82D9-7929EA07D29D}" type="datetimeFigureOut">
               <a:rPr lang="ru-RU" smtClean="0"/>
-              <a:t>28.09.2023</a:t>
+              <a:t>14.12.2023</a:t>
             </a:fld>
             <a:endParaRPr lang="ru-RU"/>
           </a:p>
@@ -2136,7 +2136,7 @@
           <a:p>
             <a:fld id="{EFAAC8F1-21AA-47EF-82D9-7929EA07D29D}" type="datetimeFigureOut">
               <a:rPr lang="ru-RU" smtClean="0"/>
-              <a:t>28.09.2023</a:t>
+              <a:t>14.12.2023</a:t>
             </a:fld>
             <a:endParaRPr lang="ru-RU"/>
           </a:p>
@@ -2449,7 +2449,7 @@
           <a:p>
             <a:fld id="{EFAAC8F1-21AA-47EF-82D9-7929EA07D29D}" type="datetimeFigureOut">
               <a:rPr lang="ru-RU" smtClean="0"/>
-              <a:t>28.09.2023</a:t>
+              <a:t>14.12.2023</a:t>
             </a:fld>
             <a:endParaRPr lang="ru-RU"/>
           </a:p>
@@ -2738,7 +2738,7 @@
           <a:p>
             <a:fld id="{EFAAC8F1-21AA-47EF-82D9-7929EA07D29D}" type="datetimeFigureOut">
               <a:rPr lang="ru-RU" smtClean="0"/>
-              <a:t>28.09.2023</a:t>
+              <a:t>14.12.2023</a:t>
             </a:fld>
             <a:endParaRPr lang="ru-RU"/>
           </a:p>
@@ -2981,7 +2981,7 @@
           <a:p>
             <a:fld id="{EFAAC8F1-21AA-47EF-82D9-7929EA07D29D}" type="datetimeFigureOut">
               <a:rPr lang="ru-RU" smtClean="0"/>
-              <a:t>28.09.2023</a:t>
+              <a:t>14.12.2023</a:t>
             </a:fld>
             <a:endParaRPr lang="ru-RU"/>
           </a:p>
